--- a/math.pptx
+++ b/math.pptx
@@ -210,7 +210,7 @@
           <a:p>
             <a:fld id="{B9EC5D6A-8573-0347-8ACF-B001830F58EE}" type="datetimeFigureOut">
               <a:rPr lang="en-TW" smtClean="0"/>
-              <a:t>2024/11/25</a:t>
+              <a:t>2024/11/26</a:t>
             </a:fld>
             <a:endParaRPr lang="en-TW"/>
           </a:p>
@@ -903,7 +903,7 @@
           <a:p>
             <a:fld id="{9DF848C8-CECC-0543-A395-444E6EFFA7CA}" type="datetimeFigureOut">
               <a:rPr lang="en-TW" smtClean="0"/>
-              <a:t>2024/11/25</a:t>
+              <a:t>2024/11/26</a:t>
             </a:fld>
             <a:endParaRPr lang="en-TW"/>
           </a:p>
@@ -1103,7 +1103,7 @@
           <a:p>
             <a:fld id="{9DF848C8-CECC-0543-A395-444E6EFFA7CA}" type="datetimeFigureOut">
               <a:rPr lang="en-TW" smtClean="0"/>
-              <a:t>2024/11/25</a:t>
+              <a:t>2024/11/26</a:t>
             </a:fld>
             <a:endParaRPr lang="en-TW"/>
           </a:p>
@@ -1313,7 +1313,7 @@
           <a:p>
             <a:fld id="{9DF848C8-CECC-0543-A395-444E6EFFA7CA}" type="datetimeFigureOut">
               <a:rPr lang="en-TW" smtClean="0"/>
-              <a:t>2024/11/25</a:t>
+              <a:t>2024/11/26</a:t>
             </a:fld>
             <a:endParaRPr lang="en-TW"/>
           </a:p>
@@ -1513,7 +1513,7 @@
           <a:p>
             <a:fld id="{9DF848C8-CECC-0543-A395-444E6EFFA7CA}" type="datetimeFigureOut">
               <a:rPr lang="en-TW" smtClean="0"/>
-              <a:t>2024/11/25</a:t>
+              <a:t>2024/11/26</a:t>
             </a:fld>
             <a:endParaRPr lang="en-TW"/>
           </a:p>
@@ -1789,7 +1789,7 @@
           <a:p>
             <a:fld id="{9DF848C8-CECC-0543-A395-444E6EFFA7CA}" type="datetimeFigureOut">
               <a:rPr lang="en-TW" smtClean="0"/>
-              <a:t>2024/11/25</a:t>
+              <a:t>2024/11/26</a:t>
             </a:fld>
             <a:endParaRPr lang="en-TW"/>
           </a:p>
@@ -2057,7 +2057,7 @@
           <a:p>
             <a:fld id="{9DF848C8-CECC-0543-A395-444E6EFFA7CA}" type="datetimeFigureOut">
               <a:rPr lang="en-TW" smtClean="0"/>
-              <a:t>2024/11/25</a:t>
+              <a:t>2024/11/26</a:t>
             </a:fld>
             <a:endParaRPr lang="en-TW"/>
           </a:p>
@@ -2472,7 +2472,7 @@
           <a:p>
             <a:fld id="{9DF848C8-CECC-0543-A395-444E6EFFA7CA}" type="datetimeFigureOut">
               <a:rPr lang="en-TW" smtClean="0"/>
-              <a:t>2024/11/25</a:t>
+              <a:t>2024/11/26</a:t>
             </a:fld>
             <a:endParaRPr lang="en-TW"/>
           </a:p>
@@ -2614,7 +2614,7 @@
           <a:p>
             <a:fld id="{9DF848C8-CECC-0543-A395-444E6EFFA7CA}" type="datetimeFigureOut">
               <a:rPr lang="en-TW" smtClean="0"/>
-              <a:t>2024/11/25</a:t>
+              <a:t>2024/11/26</a:t>
             </a:fld>
             <a:endParaRPr lang="en-TW"/>
           </a:p>
@@ -2727,7 +2727,7 @@
           <a:p>
             <a:fld id="{9DF848C8-CECC-0543-A395-444E6EFFA7CA}" type="datetimeFigureOut">
               <a:rPr lang="en-TW" smtClean="0"/>
-              <a:t>2024/11/25</a:t>
+              <a:t>2024/11/26</a:t>
             </a:fld>
             <a:endParaRPr lang="en-TW"/>
           </a:p>
@@ -3040,7 +3040,7 @@
           <a:p>
             <a:fld id="{9DF848C8-CECC-0543-A395-444E6EFFA7CA}" type="datetimeFigureOut">
               <a:rPr lang="en-TW" smtClean="0"/>
-              <a:t>2024/11/25</a:t>
+              <a:t>2024/11/26</a:t>
             </a:fld>
             <a:endParaRPr lang="en-TW"/>
           </a:p>
@@ -3329,7 +3329,7 @@
           <a:p>
             <a:fld id="{9DF848C8-CECC-0543-A395-444E6EFFA7CA}" type="datetimeFigureOut">
               <a:rPr lang="en-TW" smtClean="0"/>
-              <a:t>2024/11/25</a:t>
+              <a:t>2024/11/26</a:t>
             </a:fld>
             <a:endParaRPr lang="en-TW"/>
           </a:p>
@@ -3572,7 +3572,7 @@
           <a:p>
             <a:fld id="{9DF848C8-CECC-0543-A395-444E6EFFA7CA}" type="datetimeFigureOut">
               <a:rPr lang="en-TW" smtClean="0"/>
-              <a:t>2024/11/25</a:t>
+              <a:t>2024/11/26</a:t>
             </a:fld>
             <a:endParaRPr lang="en-TW"/>
           </a:p>
@@ -4005,37 +4005,48 @@
             <p:ph type="ctrTitle"/>
           </p:nvPr>
         </p:nvSpPr>
-        <p:spPr/>
-        <p:txBody>
-          <a:bodyPr/>
+        <p:spPr>
+          <a:xfrm>
+            <a:off x="1524000" y="1122363"/>
+            <a:ext cx="9144000" cy="4737016"/>
+          </a:xfrm>
+        </p:spPr>
+        <p:txBody>
+          <a:bodyPr>
+            <a:normAutofit/>
+          </a:bodyPr>
           <a:lstStyle/>
           <a:p>
-            <a:endParaRPr lang="en-TW"/>
-          </a:p>
-        </p:txBody>
-      </p:sp>
-      <p:sp>
-        <p:nvSpPr>
-          <p:cNvPr id="3" name="Subtitle 2">
-            <a:extLst>
-              <a:ext uri="{FF2B5EF4-FFF2-40B4-BE49-F238E27FC236}">
-                <a16:creationId xmlns:a16="http://schemas.microsoft.com/office/drawing/2014/main" id="{44287643-3C92-7326-9119-377E310ABBF0}"/>
-              </a:ext>
-            </a:extLst>
-          </p:cNvPr>
-          <p:cNvSpPr>
-            <a:spLocks noGrp="1"/>
-          </p:cNvSpPr>
-          <p:nvPr>
-            <p:ph type="subTitle" idx="1"/>
-          </p:nvPr>
-        </p:nvSpPr>
-        <p:spPr/>
-        <p:txBody>
-          <a:bodyPr/>
-          <a:lstStyle/>
-          <a:p>
-            <a:endParaRPr lang="en-TW"/>
+            <a:pPr algn="l"/>
+            <a:r>
+              <a:rPr lang="en-TW" dirty="0"/>
+              <a:t>To do list:</a:t>
+            </a:r>
+            <a:br>
+              <a:rPr lang="en-TW" dirty="0"/>
+            </a:br>
+            <a:r>
+              <a:rPr lang="en-TW" dirty="0"/>
+              <a:t>1. template for ppt</a:t>
+            </a:r>
+            <a:br>
+              <a:rPr lang="en-TW" dirty="0"/>
+            </a:br>
+            <a:r>
+              <a:rPr lang="en-TW" dirty="0"/>
+              <a:t>2. </a:t>
+            </a:r>
+            <a:r>
+              <a:rPr lang="en-TW"/>
+              <a:t>btw graph?? </a:t>
+            </a:r>
+            <a:br>
+              <a:rPr lang="en-TW" dirty="0"/>
+            </a:br>
+            <a:r>
+              <a:rPr lang="en-TW" dirty="0"/>
+              <a:t>3. </a:t>
+            </a:r>
           </a:p>
         </p:txBody>
       </p:sp>
@@ -4084,13 +4095,13 @@
           <p:nvPr>
             <p:extLst>
               <p:ext uri="{D42A27DB-BD31-4B8C-83A1-F6EECF244321}">
-                <p14:modId xmlns:p14="http://schemas.microsoft.com/office/powerpoint/2010/main" val="786138073"/>
+                <p14:modId xmlns:p14="http://schemas.microsoft.com/office/powerpoint/2010/main" val="2230301681"/>
               </p:ext>
             </p:extLst>
           </p:nvPr>
         </p:nvGraphicFramePr>
         <p:xfrm>
-          <a:off x="2020277" y="1458220"/>
+          <a:off x="1539014" y="2601220"/>
           <a:ext cx="5189415" cy="3235960"/>
         </p:xfrm>
         <a:graphic>
@@ -4263,7 +4274,7 @@
                     <a:p>
                       <a:pPr algn="ctr" fontAlgn="b"/>
                       <a:r>
-                        <a:rPr lang="en-TW" sz="1800" b="0" i="0" u="none" strike="noStrike">
+                        <a:rPr lang="en-TW" sz="1800" b="0" i="0" u="none" strike="noStrike" dirty="0">
                           <a:solidFill>
                             <a:srgbClr val="000000"/>
                           </a:solidFill>
@@ -5170,12 +5181,341 @@
         </p:blipFill>
         <p:spPr>
           <a:xfrm>
-            <a:off x="225882" y="3800207"/>
+            <a:off x="704361" y="3586913"/>
             <a:ext cx="5943600" cy="2883132"/>
           </a:xfrm>
           <a:prstGeom prst="rect">
             <a:avLst/>
           </a:prstGeom>
+        </p:spPr>
+      </p:pic>
+      <mc:AlternateContent xmlns:mc="http://schemas.openxmlformats.org/markup-compatibility/2006" xmlns:a14="http://schemas.microsoft.com/office/drawing/2010/main">
+        <mc:Choice Requires="a14">
+          <p:sp>
+            <p:nvSpPr>
+              <p:cNvPr id="2" name="TextBox 1">
+                <a:extLst>
+                  <a:ext uri="{FF2B5EF4-FFF2-40B4-BE49-F238E27FC236}">
+                    <a16:creationId xmlns:a16="http://schemas.microsoft.com/office/drawing/2014/main" id="{E916C4CE-FD16-B97A-9B80-769A9DB0501E}"/>
+                  </a:ext>
+                </a:extLst>
+              </p:cNvPr>
+              <p:cNvSpPr txBox="1"/>
+              <p:nvPr/>
+            </p:nvSpPr>
+            <p:spPr>
+              <a:xfrm>
+                <a:off x="6454935" y="1736854"/>
+                <a:ext cx="3054426" cy="405496"/>
+              </a:xfrm>
+              <a:prstGeom prst="rect">
+                <a:avLst/>
+              </a:prstGeom>
+              <a:noFill/>
+            </p:spPr>
+            <p:txBody>
+              <a:bodyPr wrap="none" lIns="0" tIns="0" rIns="0" bIns="0" rtlCol="0">
+                <a:spAutoFit/>
+              </a:bodyPr>
+              <a:lstStyle/>
+              <a:p>
+                <a14:m>
+                  <m:oMath xmlns:m="http://schemas.openxmlformats.org/officeDocument/2006/math">
+                    <m:sSub>
+                      <m:sSubPr>
+                        <m:ctrlPr>
+                          <a:rPr lang="en-TW" i="1" smtClean="0">
+                            <a:latin typeface="Cambria Math" panose="02040503050406030204" pitchFamily="18" charset="0"/>
+                          </a:rPr>
+                        </m:ctrlPr>
+                      </m:sSubPr>
+                      <m:e>
+                        <m:r>
+                          <a:rPr lang="en-US" b="0" i="1" smtClean="0">
+                            <a:latin typeface="Cambria Math" panose="02040503050406030204" pitchFamily="18" charset="0"/>
+                          </a:rPr>
+                          <m:t>𝐶</m:t>
+                        </m:r>
+                      </m:e>
+                      <m:sub>
+                        <m:r>
+                          <a:rPr lang="en-US" b="0" i="1" smtClean="0">
+                            <a:latin typeface="Cambria Math" panose="02040503050406030204" pitchFamily="18" charset="0"/>
+                          </a:rPr>
+                          <m:t>𝐵</m:t>
+                        </m:r>
+                      </m:sub>
+                    </m:sSub>
+                    <m:d>
+                      <m:dPr>
+                        <m:ctrlPr>
+                          <a:rPr lang="en-US" b="0" i="1" smtClean="0">
+                            <a:latin typeface="Cambria Math" panose="02040503050406030204" pitchFamily="18" charset="0"/>
+                          </a:rPr>
+                        </m:ctrlPr>
+                      </m:dPr>
+                      <m:e>
+                        <m:r>
+                          <a:rPr lang="en-US" b="0" i="1" smtClean="0">
+                            <a:latin typeface="Cambria Math" panose="02040503050406030204" pitchFamily="18" charset="0"/>
+                          </a:rPr>
+                          <m:t>𝑉𝑖</m:t>
+                        </m:r>
+                      </m:e>
+                    </m:d>
+                    <m:r>
+                      <a:rPr lang="en-US" b="0" i="1" smtClean="0">
+                        <a:latin typeface="Cambria Math" panose="02040503050406030204" pitchFamily="18" charset="0"/>
+                      </a:rPr>
+                      <m:t>= </m:t>
+                    </m:r>
+                    <m:nary>
+                      <m:naryPr>
+                        <m:chr m:val="∑"/>
+                        <m:supHide m:val="on"/>
+                        <m:ctrlPr>
+                          <a:rPr lang="en-US" b="0" i="1" smtClean="0">
+                            <a:latin typeface="Cambria Math" panose="02040503050406030204" pitchFamily="18" charset="0"/>
+                          </a:rPr>
+                        </m:ctrlPr>
+                      </m:naryPr>
+                      <m:sub>
+                        <m:r>
+                          <m:rPr>
+                            <m:brk m:alnAt="7"/>
+                          </m:rPr>
+                          <a:rPr lang="en-US" b="0" i="1" smtClean="0">
+                            <a:latin typeface="Cambria Math" panose="02040503050406030204" pitchFamily="18" charset="0"/>
+                          </a:rPr>
+                          <m:t>𝑉</m:t>
+                        </m:r>
+                        <m:r>
+                          <a:rPr lang="en-US" b="0" i="1" smtClean="0">
+                            <a:latin typeface="Cambria Math" panose="02040503050406030204" pitchFamily="18" charset="0"/>
+                          </a:rPr>
+                          <m:t>𝑠</m:t>
+                        </m:r>
+                        <m:r>
+                          <a:rPr lang="en-US" b="0" i="1" smtClean="0">
+                            <a:latin typeface="Cambria Math" panose="02040503050406030204" pitchFamily="18" charset="0"/>
+                          </a:rPr>
+                          <m:t> ≠ </m:t>
+                        </m:r>
+                        <m:r>
+                          <a:rPr lang="en-US" b="0" i="1" smtClean="0">
+                            <a:latin typeface="Cambria Math" panose="02040503050406030204" pitchFamily="18" charset="0"/>
+                            <a:ea typeface="Cambria Math" panose="02040503050406030204" pitchFamily="18" charset="0"/>
+                          </a:rPr>
+                          <m:t>𝑉𝑖</m:t>
+                        </m:r>
+                        <m:r>
+                          <a:rPr lang="en-US" b="0" i="1" smtClean="0">
+                            <a:latin typeface="Cambria Math" panose="02040503050406030204" pitchFamily="18" charset="0"/>
+                            <a:ea typeface="Cambria Math" panose="02040503050406030204" pitchFamily="18" charset="0"/>
+                          </a:rPr>
+                          <m:t> ≠</m:t>
+                        </m:r>
+                        <m:r>
+                          <a:rPr lang="en-US" b="0" i="1" smtClean="0">
+                            <a:latin typeface="Cambria Math" panose="02040503050406030204" pitchFamily="18" charset="0"/>
+                            <a:ea typeface="Cambria Math" panose="02040503050406030204" pitchFamily="18" charset="0"/>
+                          </a:rPr>
+                          <m:t>𝑉𝑡</m:t>
+                        </m:r>
+                        <m:r>
+                          <a:rPr lang="en-US" b="0" i="1" smtClean="0">
+                            <a:latin typeface="Cambria Math" panose="02040503050406030204" pitchFamily="18" charset="0"/>
+                            <a:ea typeface="Cambria Math" panose="02040503050406030204" pitchFamily="18" charset="0"/>
+                          </a:rPr>
+                          <m:t> ∈</m:t>
+                        </m:r>
+                        <m:r>
+                          <a:rPr lang="en-US" b="0" i="1" smtClean="0">
+                            <a:latin typeface="Cambria Math" panose="02040503050406030204" pitchFamily="18" charset="0"/>
+                            <a:ea typeface="Cambria Math" panose="02040503050406030204" pitchFamily="18" charset="0"/>
+                          </a:rPr>
+                          <m:t>𝑆</m:t>
+                        </m:r>
+                      </m:sub>
+                      <m:sup/>
+                      <m:e>
+                        <m:f>
+                          <m:fPr>
+                            <m:ctrlPr>
+                              <a:rPr lang="en-US" b="0" i="1" smtClean="0">
+                                <a:latin typeface="Cambria Math" panose="02040503050406030204" pitchFamily="18" charset="0"/>
+                              </a:rPr>
+                            </m:ctrlPr>
+                          </m:fPr>
+                          <m:num>
+                            <m:r>
+                              <a:rPr lang="en-US" b="0" i="1" smtClean="0">
+                                <a:latin typeface="Cambria Math" panose="02040503050406030204" pitchFamily="18" charset="0"/>
+                                <a:ea typeface="Cambria Math" panose="02040503050406030204" pitchFamily="18" charset="0"/>
+                              </a:rPr>
+                              <m:t>𝜎</m:t>
+                            </m:r>
+                            <m:r>
+                              <a:rPr lang="en-US" b="0" i="1" smtClean="0">
+                                <a:latin typeface="Cambria Math" panose="02040503050406030204" pitchFamily="18" charset="0"/>
+                                <a:ea typeface="Cambria Math" panose="02040503050406030204" pitchFamily="18" charset="0"/>
+                              </a:rPr>
+                              <m:t>𝑠𝑡</m:t>
+                            </m:r>
+                            <m:r>
+                              <a:rPr lang="en-US" b="0" i="1" smtClean="0">
+                                <a:latin typeface="Cambria Math" panose="02040503050406030204" pitchFamily="18" charset="0"/>
+                                <a:ea typeface="Cambria Math" panose="02040503050406030204" pitchFamily="18" charset="0"/>
+                              </a:rPr>
+                              <m:t>(</m:t>
+                            </m:r>
+                            <m:r>
+                              <a:rPr lang="en-US" b="0" i="1" smtClean="0">
+                                <a:latin typeface="Cambria Math" panose="02040503050406030204" pitchFamily="18" charset="0"/>
+                                <a:ea typeface="Cambria Math" panose="02040503050406030204" pitchFamily="18" charset="0"/>
+                              </a:rPr>
+                              <m:t>𝑉𝑖</m:t>
+                            </m:r>
+                            <m:r>
+                              <a:rPr lang="en-US" b="0" i="1" smtClean="0">
+                                <a:latin typeface="Cambria Math" panose="02040503050406030204" pitchFamily="18" charset="0"/>
+                                <a:ea typeface="Cambria Math" panose="02040503050406030204" pitchFamily="18" charset="0"/>
+                              </a:rPr>
+                              <m:t>)</m:t>
+                            </m:r>
+                          </m:num>
+                          <m:den>
+                            <m:r>
+                              <a:rPr lang="en-US" b="0" i="1" smtClean="0">
+                                <a:latin typeface="Cambria Math" panose="02040503050406030204" pitchFamily="18" charset="0"/>
+                                <a:ea typeface="Cambria Math" panose="02040503050406030204" pitchFamily="18" charset="0"/>
+                              </a:rPr>
+                              <m:t>𝜎</m:t>
+                            </m:r>
+                            <m:r>
+                              <a:rPr lang="en-US" b="0" i="1" smtClean="0">
+                                <a:latin typeface="Cambria Math" panose="02040503050406030204" pitchFamily="18" charset="0"/>
+                                <a:ea typeface="Cambria Math" panose="02040503050406030204" pitchFamily="18" charset="0"/>
+                              </a:rPr>
+                              <m:t>𝑠𝑡</m:t>
+                            </m:r>
+                          </m:den>
+                        </m:f>
+                      </m:e>
+                    </m:nary>
+                  </m:oMath>
+                </a14:m>
+                <a:r>
+                  <a:rPr lang="en-TW" dirty="0"/>
+                  <a:t>  </a:t>
+                </a:r>
+              </a:p>
+            </p:txBody>
+          </p:sp>
+        </mc:Choice>
+        <mc:Fallback xmlns="">
+          <p:sp>
+            <p:nvSpPr>
+              <p:cNvPr id="2" name="TextBox 1">
+                <a:extLst>
+                  <a:ext uri="{FF2B5EF4-FFF2-40B4-BE49-F238E27FC236}">
+                    <a16:creationId xmlns:a16="http://schemas.microsoft.com/office/drawing/2014/main" id="{E916C4CE-FD16-B97A-9B80-769A9DB0501E}"/>
+                  </a:ext>
+                </a:extLst>
+              </p:cNvPr>
+              <p:cNvSpPr txBox="1">
+                <a:spLocks noRot="1" noChangeAspect="1" noMove="1" noResize="1" noEditPoints="1" noAdjustHandles="1" noChangeArrowheads="1" noChangeShapeType="1" noTextEdit="1"/>
+              </p:cNvSpPr>
+              <p:nvPr/>
+            </p:nvSpPr>
+            <p:spPr>
+              <a:xfrm>
+                <a:off x="6454935" y="1736854"/>
+                <a:ext cx="3054426" cy="405496"/>
+              </a:xfrm>
+              <a:prstGeom prst="rect">
+                <a:avLst/>
+              </a:prstGeom>
+              <a:blipFill>
+                <a:blip r:embed="rId5"/>
+                <a:stretch>
+                  <a:fillRect l="-2490" t="-96970" b="-148485"/>
+                </a:stretch>
+              </a:blipFill>
+            </p:spPr>
+            <p:txBody>
+              <a:bodyPr/>
+              <a:lstStyle/>
+              <a:p>
+                <a:r>
+                  <a:rPr lang="en-TW">
+                    <a:noFill/>
+                  </a:rPr>
+                  <a:t> </a:t>
+                </a:r>
+              </a:p>
+            </p:txBody>
+          </p:sp>
+        </mc:Fallback>
+      </mc:AlternateContent>
+      <p:pic>
+        <p:nvPicPr>
+          <p:cNvPr id="3074" name="Picture 2">
+            <a:extLst>
+              <a:ext uri="{FF2B5EF4-FFF2-40B4-BE49-F238E27FC236}">
+                <a16:creationId xmlns:a16="http://schemas.microsoft.com/office/drawing/2014/main" id="{11836452-1339-6E58-A854-80B4A6528587}"/>
+              </a:ext>
+            </a:extLst>
+          </p:cNvPr>
+          <p:cNvPicPr>
+            <a:picLocks noChangeAspect="1" noChangeArrowheads="1"/>
+          </p:cNvPicPr>
+          <p:nvPr/>
+        </p:nvPicPr>
+        <p:blipFill>
+          <a:blip r:embed="rId6">
+            <a:alphaModFix/>
+            <a:extLst>
+              <a:ext uri="{BEBA8EAE-BF5A-486C-A8C5-ECC9F3942E4B}">
+                <a14:imgProps xmlns:a14="http://schemas.microsoft.com/office/drawing/2010/main">
+                  <a14:imgLayer r:embed="rId7">
+                    <a14:imgEffect>
+                      <a14:backgroundRemoval t="10000" b="90000" l="7500" r="90000">
+                        <a14:foregroundMark x1="7500" y1="28750" x2="15625" y2="16667"/>
+                        <a14:foregroundMark x1="15625" y1="16667" x2="19531" y2="14375"/>
+                      </a14:backgroundRemoval>
+                    </a14:imgEffect>
+                  </a14:imgLayer>
+                </a14:imgProps>
+              </a:ext>
+              <a:ext uri="{28A0092B-C50C-407E-A947-70E740481C1C}">
+                <a14:useLocalDpi xmlns:a14="http://schemas.microsoft.com/office/drawing/2010/main" val="0"/>
+              </a:ext>
+            </a:extLst>
+          </a:blip>
+          <a:srcRect/>
+          <a:stretch>
+            <a:fillRect/>
+          </a:stretch>
+        </p:blipFill>
+        <p:spPr bwMode="auto">
+          <a:xfrm>
+            <a:off x="2032000" y="381000"/>
+            <a:ext cx="8128000" cy="6096000"/>
+          </a:xfrm>
+          <a:prstGeom prst="rect">
+            <a:avLst/>
+          </a:prstGeom>
+          <a:noFill/>
+          <a:extLst>
+            <a:ext uri="{909E8E84-426E-40DD-AFC4-6F175D3DCCD1}">
+              <a14:hiddenFill xmlns:a14="http://schemas.microsoft.com/office/drawing/2010/main">
+                <a:solidFill>
+                  <a:srgbClr val="FFFFFF"/>
+                </a:solidFill>
+              </a14:hiddenFill>
+            </a:ext>
+          </a:extLst>
         </p:spPr>
       </p:pic>
     </p:spTree>
@@ -5936,36 +6276,335 @@
           </a:p>
         </p:txBody>
       </p:sp>
-      <p:pic>
-        <p:nvPicPr>
-          <p:cNvPr id="12" name="Picture 11">
-            <a:extLst>
-              <a:ext uri="{FF2B5EF4-FFF2-40B4-BE49-F238E27FC236}">
-                <a16:creationId xmlns:a16="http://schemas.microsoft.com/office/drawing/2014/main" id="{C743E6B1-3BF7-40A1-2145-97BB7FC72AF6}"/>
-              </a:ext>
-            </a:extLst>
-          </p:cNvPr>
-          <p:cNvPicPr>
-            <a:picLocks noChangeAspect="1"/>
-          </p:cNvPicPr>
+      <mc:AlternateContent xmlns:mc="http://schemas.openxmlformats.org/markup-compatibility/2006" xmlns:a14="http://schemas.microsoft.com/office/drawing/2010/main">
+        <mc:Choice Requires="a14">
+          <p:sp>
+            <p:nvSpPr>
+              <p:cNvPr id="4" name="TextBox 3">
+                <a:extLst>
+                  <a:ext uri="{FF2B5EF4-FFF2-40B4-BE49-F238E27FC236}">
+                    <a16:creationId xmlns:a16="http://schemas.microsoft.com/office/drawing/2014/main" id="{8FE6DCED-87F7-9D33-D42C-CECB86BAE84E}"/>
+                  </a:ext>
+                </a:extLst>
+              </p:cNvPr>
+              <p:cNvSpPr txBox="1"/>
+              <p:nvPr/>
+            </p:nvSpPr>
+            <p:spPr>
+              <a:xfrm>
+                <a:off x="7158789" y="2291388"/>
+                <a:ext cx="1652119" cy="525913"/>
+              </a:xfrm>
+              <a:prstGeom prst="rect">
+                <a:avLst/>
+              </a:prstGeom>
+              <a:noFill/>
+            </p:spPr>
+            <p:txBody>
+              <a:bodyPr wrap="square" lIns="0" tIns="0" rIns="0" bIns="0" rtlCol="0">
+                <a:spAutoFit/>
+              </a:bodyPr>
+              <a:lstStyle/>
+              <a:p>
+                <a:pPr/>
+                <a14:m>
+                  <m:oMathPara xmlns:m="http://schemas.openxmlformats.org/officeDocument/2006/math">
+                    <m:oMathParaPr>
+                      <m:jc m:val="centerGroup"/>
+                    </m:oMathParaPr>
+                    <m:oMath xmlns:m="http://schemas.openxmlformats.org/officeDocument/2006/math">
+                      <m:sSub>
+                        <m:sSubPr>
+                          <m:ctrlPr>
+                            <a:rPr lang="en-TW" i="1" smtClean="0">
+                              <a:latin typeface="Cambria Math" panose="02040503050406030204" pitchFamily="18" charset="0"/>
+                            </a:rPr>
+                          </m:ctrlPr>
+                        </m:sSubPr>
+                        <m:e>
+                          <m:r>
+                            <a:rPr lang="en-US" b="0" i="1" smtClean="0">
+                              <a:latin typeface="Cambria Math" panose="02040503050406030204" pitchFamily="18" charset="0"/>
+                            </a:rPr>
+                            <m:t>𝐶</m:t>
+                          </m:r>
+                        </m:e>
+                        <m:sub>
+                          <m:r>
+                            <a:rPr lang="en-US" b="0" i="1" smtClean="0">
+                              <a:latin typeface="Cambria Math" panose="02040503050406030204" pitchFamily="18" charset="0"/>
+                            </a:rPr>
+                            <m:t>𝐷</m:t>
+                          </m:r>
+                          <m:r>
+                            <a:rPr lang="en-US" b="0" i="1" smtClean="0">
+                              <a:latin typeface="Cambria Math" panose="02040503050406030204" pitchFamily="18" charset="0"/>
+                            </a:rPr>
+                            <m:t> </m:t>
+                          </m:r>
+                        </m:sub>
+                      </m:sSub>
+                      <m:d>
+                        <m:dPr>
+                          <m:ctrlPr>
+                            <a:rPr lang="en-US" b="0" i="1" smtClean="0">
+                              <a:latin typeface="Cambria Math" panose="02040503050406030204" pitchFamily="18" charset="0"/>
+                            </a:rPr>
+                          </m:ctrlPr>
+                        </m:dPr>
+                        <m:e>
+                          <m:r>
+                            <a:rPr lang="en-US" b="0" i="1" smtClean="0">
+                              <a:latin typeface="Cambria Math" panose="02040503050406030204" pitchFamily="18" charset="0"/>
+                            </a:rPr>
+                            <m:t>𝑉𝑖</m:t>
+                          </m:r>
+                        </m:e>
+                      </m:d>
+                      <m:r>
+                        <a:rPr lang="en-US" b="0" i="1" smtClean="0">
+                          <a:latin typeface="Cambria Math" panose="02040503050406030204" pitchFamily="18" charset="0"/>
+                        </a:rPr>
+                        <m:t>= </m:t>
+                      </m:r>
+                      <m:f>
+                        <m:fPr>
+                          <m:ctrlPr>
+                            <a:rPr lang="en-US" b="0" i="1" smtClean="0">
+                              <a:latin typeface="Cambria Math" panose="02040503050406030204" pitchFamily="18" charset="0"/>
+                            </a:rPr>
+                          </m:ctrlPr>
+                        </m:fPr>
+                        <m:num>
+                          <m:r>
+                            <a:rPr lang="en-US" b="0" i="1" smtClean="0">
+                              <a:latin typeface="Cambria Math" panose="02040503050406030204" pitchFamily="18" charset="0"/>
+                            </a:rPr>
+                            <m:t>𝑑𝑖</m:t>
+                          </m:r>
+                        </m:num>
+                        <m:den>
+                          <m:r>
+                            <a:rPr lang="en-US" b="0" i="1" smtClean="0">
+                              <a:latin typeface="Cambria Math" panose="02040503050406030204" pitchFamily="18" charset="0"/>
+                            </a:rPr>
+                            <m:t>𝑛</m:t>
+                          </m:r>
+                          <m:r>
+                            <a:rPr lang="en-US" b="0" i="1" smtClean="0">
+                              <a:latin typeface="Cambria Math" panose="02040503050406030204" pitchFamily="18" charset="0"/>
+                            </a:rPr>
+                            <m:t>−1</m:t>
+                          </m:r>
+                        </m:den>
+                      </m:f>
+                    </m:oMath>
+                  </m:oMathPara>
+                </a14:m>
+                <a:endParaRPr lang="en-TW" dirty="0"/>
+              </a:p>
+            </p:txBody>
+          </p:sp>
+        </mc:Choice>
+        <mc:Fallback xmlns="">
+          <p:sp>
+            <p:nvSpPr>
+              <p:cNvPr id="4" name="TextBox 3">
+                <a:extLst>
+                  <a:ext uri="{FF2B5EF4-FFF2-40B4-BE49-F238E27FC236}">
+                    <a16:creationId xmlns:a16="http://schemas.microsoft.com/office/drawing/2014/main" id="{8FE6DCED-87F7-9D33-D42C-CECB86BAE84E}"/>
+                  </a:ext>
+                </a:extLst>
+              </p:cNvPr>
+              <p:cNvSpPr txBox="1">
+                <a:spLocks noRot="1" noChangeAspect="1" noMove="1" noResize="1" noEditPoints="1" noAdjustHandles="1" noChangeArrowheads="1" noChangeShapeType="1" noTextEdit="1"/>
+              </p:cNvSpPr>
+              <p:nvPr/>
+            </p:nvSpPr>
+            <p:spPr>
+              <a:xfrm>
+                <a:off x="7158789" y="2291388"/>
+                <a:ext cx="1652119" cy="525913"/>
+              </a:xfrm>
+              <a:prstGeom prst="rect">
+                <a:avLst/>
+              </a:prstGeom>
+              <a:blipFill>
+                <a:blip r:embed="rId2"/>
+                <a:stretch>
+                  <a:fillRect l="-3053" t="-2381" r="-3053" b="-14286"/>
+                </a:stretch>
+              </a:blipFill>
+            </p:spPr>
+            <p:txBody>
+              <a:bodyPr/>
+              <a:lstStyle/>
+              <a:p>
+                <a:r>
+                  <a:rPr lang="en-TW">
+                    <a:noFill/>
+                  </a:rPr>
+                  <a:t> </a:t>
+                </a:r>
+              </a:p>
+            </p:txBody>
+          </p:sp>
+        </mc:Fallback>
+      </mc:AlternateContent>
+      <p:grpSp>
+        <p:nvGrpSpPr>
+          <p:cNvPr id="7" name="Group 6">
+            <a:extLst>
+              <a:ext uri="{FF2B5EF4-FFF2-40B4-BE49-F238E27FC236}">
+                <a16:creationId xmlns:a16="http://schemas.microsoft.com/office/drawing/2014/main" id="{A94AD108-368B-A8A2-AA2C-827EAC78190F}"/>
+              </a:ext>
+            </a:extLst>
+          </p:cNvPr>
+          <p:cNvGrpSpPr/>
           <p:nvPr/>
-        </p:nvPicPr>
-        <p:blipFill>
-          <a:blip r:embed="rId2"/>
-          <a:stretch>
-            <a:fillRect/>
-          </a:stretch>
-        </p:blipFill>
-        <p:spPr>
+        </p:nvGrpSpPr>
+        <p:grpSpPr>
           <a:xfrm>
-            <a:off x="4432300" y="3305175"/>
-            <a:ext cx="7226300" cy="3187700"/>
+            <a:off x="4808929" y="3540080"/>
+            <a:ext cx="4189839" cy="2281002"/>
+            <a:chOff x="4808929" y="3540080"/>
+            <a:chExt cx="4189839" cy="2281002"/>
           </a:xfrm>
-          <a:prstGeom prst="rect">
-            <a:avLst/>
-          </a:prstGeom>
-        </p:spPr>
-      </p:pic>
+        </p:grpSpPr>
+        <p:pic>
+          <p:nvPicPr>
+            <p:cNvPr id="12" name="Picture 11">
+              <a:extLst>
+                <a:ext uri="{FF2B5EF4-FFF2-40B4-BE49-F238E27FC236}">
+                  <a16:creationId xmlns:a16="http://schemas.microsoft.com/office/drawing/2014/main" id="{C743E6B1-3BF7-40A1-2145-97BB7FC72AF6}"/>
+                </a:ext>
+              </a:extLst>
+            </p:cNvPr>
+            <p:cNvPicPr>
+              <a:picLocks noChangeAspect="1"/>
+            </p:cNvPicPr>
+            <p:nvPr/>
+          </p:nvPicPr>
+          <p:blipFill>
+            <a:blip r:embed="rId3"/>
+            <a:srcRect l="11339" t="6995" r="49579" b="44774"/>
+            <a:stretch/>
+          </p:blipFill>
+          <p:spPr>
+            <a:xfrm>
+              <a:off x="4808929" y="3540080"/>
+              <a:ext cx="4189839" cy="2281002"/>
+            </a:xfrm>
+            <a:prstGeom prst="rect">
+              <a:avLst/>
+            </a:prstGeom>
+          </p:spPr>
+        </p:pic>
+        <p:sp>
+          <p:nvSpPr>
+            <p:cNvPr id="5" name="Rectangle 4">
+              <a:extLst>
+                <a:ext uri="{FF2B5EF4-FFF2-40B4-BE49-F238E27FC236}">
+                  <a16:creationId xmlns:a16="http://schemas.microsoft.com/office/drawing/2014/main" id="{9ADB2E8C-E839-3F65-39CD-6EBF0187A0BD}"/>
+                </a:ext>
+              </a:extLst>
+            </p:cNvPr>
+            <p:cNvSpPr/>
+            <p:nvPr/>
+          </p:nvSpPr>
+          <p:spPr>
+            <a:xfrm>
+              <a:off x="5032188" y="3590627"/>
+              <a:ext cx="1216212" cy="1232619"/>
+            </a:xfrm>
+            <a:prstGeom prst="rect">
+              <a:avLst/>
+            </a:prstGeom>
+            <a:solidFill>
+              <a:schemeClr val="bg1"/>
+            </a:solidFill>
+            <a:ln>
+              <a:noFill/>
+            </a:ln>
+          </p:spPr>
+          <p:style>
+            <a:lnRef idx="2">
+              <a:schemeClr val="accent1">
+                <a:shade val="15000"/>
+              </a:schemeClr>
+            </a:lnRef>
+            <a:fillRef idx="1">
+              <a:schemeClr val="accent1"/>
+            </a:fillRef>
+            <a:effectRef idx="0">
+              <a:schemeClr val="accent1"/>
+            </a:effectRef>
+            <a:fontRef idx="minor">
+              <a:schemeClr val="lt1"/>
+            </a:fontRef>
+          </p:style>
+          <p:txBody>
+            <a:bodyPr rtlCol="0" anchor="ctr"/>
+            <a:lstStyle/>
+            <a:p>
+              <a:pPr algn="ctr"/>
+              <a:endParaRPr lang="en-TW"/>
+            </a:p>
+          </p:txBody>
+        </p:sp>
+        <p:sp>
+          <p:nvSpPr>
+            <p:cNvPr id="6" name="Rectangle 5">
+              <a:extLst>
+                <a:ext uri="{FF2B5EF4-FFF2-40B4-BE49-F238E27FC236}">
+                  <a16:creationId xmlns:a16="http://schemas.microsoft.com/office/drawing/2014/main" id="{224EE937-8BB7-FDFD-D76F-B82D5E5029A7}"/>
+                </a:ext>
+              </a:extLst>
+            </p:cNvPr>
+            <p:cNvSpPr/>
+            <p:nvPr/>
+          </p:nvSpPr>
+          <p:spPr>
+            <a:xfrm rot="20237369">
+              <a:off x="7524393" y="5043358"/>
+              <a:ext cx="1461219" cy="776856"/>
+            </a:xfrm>
+            <a:prstGeom prst="rect">
+              <a:avLst/>
+            </a:prstGeom>
+            <a:solidFill>
+              <a:schemeClr val="bg1"/>
+            </a:solidFill>
+            <a:ln>
+              <a:noFill/>
+            </a:ln>
+          </p:spPr>
+          <p:style>
+            <a:lnRef idx="2">
+              <a:schemeClr val="accent1">
+                <a:shade val="15000"/>
+              </a:schemeClr>
+            </a:lnRef>
+            <a:fillRef idx="1">
+              <a:schemeClr val="accent1"/>
+            </a:fillRef>
+            <a:effectRef idx="0">
+              <a:schemeClr val="accent1"/>
+            </a:effectRef>
+            <a:fontRef idx="minor">
+              <a:schemeClr val="lt1"/>
+            </a:fontRef>
+          </p:style>
+          <p:txBody>
+            <a:bodyPr rtlCol="0" anchor="ctr"/>
+            <a:lstStyle/>
+            <a:p>
+              <a:pPr algn="ctr"/>
+              <a:endParaRPr lang="en-TW"/>
+            </a:p>
+          </p:txBody>
+        </p:sp>
+      </p:grpSp>
     </p:spTree>
     <p:extLst>
       <p:ext uri="{BB962C8B-B14F-4D97-AF65-F5344CB8AC3E}">
@@ -6634,7 +7273,7 @@
                     <a:bodyPr/>
                     <a:lstStyle/>
                     <a:p>
-                      <a:endParaRPr lang="en-TW"/>
+                      <a:endParaRPr lang="en-TW" dirty="0"/>
                     </a:p>
                   </a:txBody>
                   <a:tcPr/>
@@ -6664,7 +7303,7 @@
                     <a:bodyPr/>
                     <a:lstStyle/>
                     <a:p>
-                      <a:endParaRPr lang="en-TW"/>
+                      <a:endParaRPr lang="en-TW" dirty="0"/>
                     </a:p>
                   </a:txBody>
                   <a:tcPr/>
@@ -6787,7 +7426,7 @@
         </p:nvSpPr>
         <p:spPr>
           <a:xfrm>
-            <a:off x="838200" y="365125"/>
+            <a:off x="-1653209" y="-28153"/>
             <a:ext cx="10515600" cy="1325563"/>
           </a:xfrm>
         </p:spPr>
@@ -6816,7 +7455,7 @@
         </p:nvSpPr>
         <p:spPr>
           <a:xfrm>
-            <a:off x="838200" y="1506022"/>
+            <a:off x="-1653209" y="1112744"/>
             <a:ext cx="5797062" cy="646331"/>
           </a:xfrm>
           <a:prstGeom prst="rect">
@@ -6859,7 +7498,7 @@
         </p:blipFill>
         <p:spPr>
           <a:xfrm>
-            <a:off x="1519115" y="2470543"/>
+            <a:off x="-972294" y="2077265"/>
             <a:ext cx="3176175" cy="1291625"/>
           </a:xfrm>
           <a:prstGeom prst="rect">
@@ -6881,7 +7520,7 @@
         </p:nvSpPr>
         <p:spPr>
           <a:xfrm>
-            <a:off x="709245" y="4223833"/>
+            <a:off x="-1782164" y="3830555"/>
             <a:ext cx="6096000" cy="646331"/>
           </a:xfrm>
           <a:prstGeom prst="rect">
@@ -6969,36 +7608,182 @@
           </a:p>
         </p:txBody>
       </p:sp>
-      <p:pic>
-        <p:nvPicPr>
-          <p:cNvPr id="13" name="Picture 12">
-            <a:extLst>
-              <a:ext uri="{FF2B5EF4-FFF2-40B4-BE49-F238E27FC236}">
-                <a16:creationId xmlns:a16="http://schemas.microsoft.com/office/drawing/2014/main" id="{5E10EFCD-0AA1-3DA4-62BE-B06771610FF9}"/>
-              </a:ext>
-            </a:extLst>
-          </p:cNvPr>
-          <p:cNvPicPr>
-            <a:picLocks noChangeAspect="1"/>
-          </p:cNvPicPr>
+      <p:grpSp>
+        <p:nvGrpSpPr>
+          <p:cNvPr id="14" name="Group 13">
+            <a:extLst>
+              <a:ext uri="{FF2B5EF4-FFF2-40B4-BE49-F238E27FC236}">
+                <a16:creationId xmlns:a16="http://schemas.microsoft.com/office/drawing/2014/main" id="{7375E0EF-C2EB-C4AA-A592-F860AB96E9C6}"/>
+              </a:ext>
+            </a:extLst>
+          </p:cNvPr>
+          <p:cNvGrpSpPr/>
           <p:nvPr/>
-        </p:nvPicPr>
-        <p:blipFill>
-          <a:blip r:embed="rId4"/>
-          <a:stretch>
-            <a:fillRect/>
-          </a:stretch>
-        </p:blipFill>
-        <p:spPr>
+        </p:nvGrpSpPr>
+        <p:grpSpPr>
           <a:xfrm>
-            <a:off x="6635262" y="1487215"/>
-            <a:ext cx="4351002" cy="2600403"/>
+            <a:off x="5767020" y="2220640"/>
+            <a:ext cx="6133644" cy="3665810"/>
+            <a:chOff x="5767020" y="2220640"/>
+            <a:chExt cx="6133644" cy="3665810"/>
           </a:xfrm>
-          <a:prstGeom prst="rect">
-            <a:avLst/>
-          </a:prstGeom>
-        </p:spPr>
-      </p:pic>
+        </p:grpSpPr>
+        <p:pic>
+          <p:nvPicPr>
+            <p:cNvPr id="13" name="Picture 12">
+              <a:extLst>
+                <a:ext uri="{FF2B5EF4-FFF2-40B4-BE49-F238E27FC236}">
+                  <a16:creationId xmlns:a16="http://schemas.microsoft.com/office/drawing/2014/main" id="{5E10EFCD-0AA1-3DA4-62BE-B06771610FF9}"/>
+                </a:ext>
+              </a:extLst>
+            </p:cNvPr>
+            <p:cNvPicPr>
+              <a:picLocks noChangeAspect="1"/>
+            </p:cNvPicPr>
+            <p:nvPr/>
+          </p:nvPicPr>
+          <p:blipFill>
+            <a:blip r:embed="rId4"/>
+            <a:stretch>
+              <a:fillRect/>
+            </a:stretch>
+          </p:blipFill>
+          <p:spPr>
+            <a:xfrm>
+              <a:off x="5767020" y="2220640"/>
+              <a:ext cx="6133644" cy="3665810"/>
+            </a:xfrm>
+            <a:prstGeom prst="rect">
+              <a:avLst/>
+            </a:prstGeom>
+          </p:spPr>
+        </p:pic>
+        <p:sp>
+          <p:nvSpPr>
+            <p:cNvPr id="2" name="Oval 1">
+              <a:extLst>
+                <a:ext uri="{FF2B5EF4-FFF2-40B4-BE49-F238E27FC236}">
+                  <a16:creationId xmlns:a16="http://schemas.microsoft.com/office/drawing/2014/main" id="{6FE5AE7D-3309-4506-26DF-899B63A68963}"/>
+                </a:ext>
+              </a:extLst>
+            </p:cNvPr>
+            <p:cNvSpPr/>
+            <p:nvPr/>
+          </p:nvSpPr>
+          <p:spPr>
+            <a:xfrm>
+              <a:off x="7029449" y="2220640"/>
+              <a:ext cx="619125" cy="627335"/>
+            </a:xfrm>
+            <a:prstGeom prst="ellipse">
+              <a:avLst/>
+            </a:prstGeom>
+            <a:solidFill>
+              <a:srgbClr val="729FCF"/>
+            </a:solidFill>
+          </p:spPr>
+          <p:style>
+            <a:lnRef idx="2">
+              <a:schemeClr val="accent1">
+                <a:shade val="15000"/>
+              </a:schemeClr>
+            </a:lnRef>
+            <a:fillRef idx="1">
+              <a:schemeClr val="accent1"/>
+            </a:fillRef>
+            <a:effectRef idx="0">
+              <a:schemeClr val="accent1"/>
+            </a:effectRef>
+            <a:fontRef idx="minor">
+              <a:schemeClr val="lt1"/>
+            </a:fontRef>
+          </p:style>
+          <p:txBody>
+            <a:bodyPr rtlCol="0" anchor="ctr"/>
+            <a:lstStyle/>
+            <a:p>
+              <a:pPr algn="ctr"/>
+              <a:endParaRPr lang="en-TW"/>
+            </a:p>
+          </p:txBody>
+        </p:sp>
+        <p:cxnSp>
+          <p:nvCxnSpPr>
+            <p:cNvPr id="6" name="Straight Connector 5">
+              <a:extLst>
+                <a:ext uri="{FF2B5EF4-FFF2-40B4-BE49-F238E27FC236}">
+                  <a16:creationId xmlns:a16="http://schemas.microsoft.com/office/drawing/2014/main" id="{0E55B3B9-8952-1D08-7BED-6AF473B19239}"/>
+                </a:ext>
+              </a:extLst>
+            </p:cNvPr>
+            <p:cNvCxnSpPr/>
+            <p:nvPr/>
+          </p:nvCxnSpPr>
+          <p:spPr>
+            <a:xfrm>
+              <a:off x="7416368" y="2847975"/>
+              <a:ext cx="360000" cy="1620000"/>
+            </a:xfrm>
+            <a:prstGeom prst="line">
+              <a:avLst/>
+            </a:prstGeom>
+            <a:ln w="120650"/>
+          </p:spPr>
+          <p:style>
+            <a:lnRef idx="2">
+              <a:schemeClr val="dk1"/>
+            </a:lnRef>
+            <a:fillRef idx="0">
+              <a:schemeClr val="dk1"/>
+            </a:fillRef>
+            <a:effectRef idx="1">
+              <a:schemeClr val="dk1"/>
+            </a:effectRef>
+            <a:fontRef idx="minor">
+              <a:schemeClr val="tx1"/>
+            </a:fontRef>
+          </p:style>
+        </p:cxnSp>
+        <p:cxnSp>
+          <p:nvCxnSpPr>
+            <p:cNvPr id="7" name="Straight Connector 6">
+              <a:extLst>
+                <a:ext uri="{FF2B5EF4-FFF2-40B4-BE49-F238E27FC236}">
+                  <a16:creationId xmlns:a16="http://schemas.microsoft.com/office/drawing/2014/main" id="{1A0A865D-06AE-203A-1F6D-8B3DBDEA5C40}"/>
+                </a:ext>
+              </a:extLst>
+            </p:cNvPr>
+            <p:cNvCxnSpPr>
+              <a:cxnSpLocks/>
+            </p:cNvCxnSpPr>
+            <p:nvPr/>
+          </p:nvCxnSpPr>
+          <p:spPr>
+            <a:xfrm>
+              <a:off x="8148737" y="4930865"/>
+              <a:ext cx="1065990" cy="434289"/>
+            </a:xfrm>
+            <a:prstGeom prst="line">
+              <a:avLst/>
+            </a:prstGeom>
+            <a:ln w="120650"/>
+          </p:spPr>
+          <p:style>
+            <a:lnRef idx="2">
+              <a:schemeClr val="dk1"/>
+            </a:lnRef>
+            <a:fillRef idx="0">
+              <a:schemeClr val="dk1"/>
+            </a:fillRef>
+            <a:effectRef idx="1">
+              <a:schemeClr val="dk1"/>
+            </a:effectRef>
+            <a:fontRef idx="minor">
+              <a:schemeClr val="tx1"/>
+            </a:fontRef>
+          </p:style>
+        </p:cxnSp>
+      </p:grpSp>
     </p:spTree>
     <p:extLst>
       <p:ext uri="{BB962C8B-B14F-4D97-AF65-F5344CB8AC3E}">
